--- a/ppt 16-9/0347.凡愿意者.pptx
+++ b/ppt 16-9/0347.凡愿意者.pptx
@@ -129,7 +129,7 @@
           <p:cNvPr id="2" name="标题 1">
             <a:extLst>
               <a:ext uri="{FF2B5EF4-FFF2-40B4-BE49-F238E27FC236}">
-                <a16:creationId xmlns:a16="http://schemas.microsoft.com/office/drawing/2014/main" id="{5686068B-2300-4D79-7C6D-6A1343953DCE}"/>
+                <a16:creationId xmlns:a16="http://schemas.microsoft.com/office/drawing/2014/main" id="{13E9564A-7479-1AEE-2A25-27CC138D7DD4}"/>
               </a:ext>
             </a:extLst>
           </p:cNvPr>
@@ -166,7 +166,7 @@
           <p:cNvPr id="3" name="副标题 2">
             <a:extLst>
               <a:ext uri="{FF2B5EF4-FFF2-40B4-BE49-F238E27FC236}">
-                <a16:creationId xmlns:a16="http://schemas.microsoft.com/office/drawing/2014/main" id="{09555AEC-0A92-6A3F-BB93-D2316E0500C8}"/>
+                <a16:creationId xmlns:a16="http://schemas.microsoft.com/office/drawing/2014/main" id="{3D5B3B6C-D53C-6230-D512-F59875D94FC3}"/>
               </a:ext>
             </a:extLst>
           </p:cNvPr>
@@ -236,7 +236,7 @@
           <p:cNvPr id="4" name="日期占位符 3">
             <a:extLst>
               <a:ext uri="{FF2B5EF4-FFF2-40B4-BE49-F238E27FC236}">
-                <a16:creationId xmlns:a16="http://schemas.microsoft.com/office/drawing/2014/main" id="{EA295225-32B5-6040-3330-28B86EC80E2C}"/>
+                <a16:creationId xmlns:a16="http://schemas.microsoft.com/office/drawing/2014/main" id="{434E6B2B-4BC0-98C7-43F7-BE742B31CBCF}"/>
               </a:ext>
             </a:extLst>
           </p:cNvPr>
@@ -252,7 +252,7 @@
           <a:bodyPr/>
           <a:lstStyle/>
           <a:p>
-            <a:fld id="{9941F5A7-C384-47C3-8A64-5978F03AD01B}" type="datetimeFigureOut">
+            <a:fld id="{1B9DE1A7-6632-455F-977B-C93980F664BF}" type="datetimeFigureOut">
               <a:rPr lang="zh-CN" altLang="en-US" smtClean="0"/>
               <a:t>2024/3/10</a:t>
             </a:fld>
@@ -265,7 +265,7 @@
           <p:cNvPr id="5" name="页脚占位符 4">
             <a:extLst>
               <a:ext uri="{FF2B5EF4-FFF2-40B4-BE49-F238E27FC236}">
-                <a16:creationId xmlns:a16="http://schemas.microsoft.com/office/drawing/2014/main" id="{8F0D3A0B-4F72-1945-C2DB-7095FF596BAA}"/>
+                <a16:creationId xmlns:a16="http://schemas.microsoft.com/office/drawing/2014/main" id="{005E1BE0-0187-3F6E-66F0-4F4333DF87B6}"/>
               </a:ext>
             </a:extLst>
           </p:cNvPr>
@@ -290,7 +290,7 @@
           <p:cNvPr id="6" name="灯片编号占位符 5">
             <a:extLst>
               <a:ext uri="{FF2B5EF4-FFF2-40B4-BE49-F238E27FC236}">
-                <a16:creationId xmlns:a16="http://schemas.microsoft.com/office/drawing/2014/main" id="{7A38D765-CFCE-CAD3-C041-A40223D66343}"/>
+                <a16:creationId xmlns:a16="http://schemas.microsoft.com/office/drawing/2014/main" id="{1E02E5F1-A4FA-9FE1-38AC-F1D1F3070972}"/>
               </a:ext>
             </a:extLst>
           </p:cNvPr>
@@ -306,7 +306,7 @@
           <a:bodyPr/>
           <a:lstStyle/>
           <a:p>
-            <a:fld id="{610ADDF2-2AC3-4E86-A887-6271DA5357A9}" type="slidenum">
+            <a:fld id="{3D2D8952-FFD4-410C-8F95-173ADC300412}" type="slidenum">
               <a:rPr lang="zh-CN" altLang="en-US" smtClean="0"/>
               <a:t>‹#›</a:t>
             </a:fld>
@@ -317,7 +317,7 @@
     </p:spTree>
     <p:extLst>
       <p:ext uri="{BB962C8B-B14F-4D97-AF65-F5344CB8AC3E}">
-        <p14:creationId xmlns:p14="http://schemas.microsoft.com/office/powerpoint/2010/main" val="995466565"/>
+        <p14:creationId xmlns:p14="http://schemas.microsoft.com/office/powerpoint/2010/main" val="2851156550"/>
       </p:ext>
     </p:extLst>
   </p:cSld>
@@ -349,7 +349,7 @@
           <p:cNvPr id="2" name="标题 1">
             <a:extLst>
               <a:ext uri="{FF2B5EF4-FFF2-40B4-BE49-F238E27FC236}">
-                <a16:creationId xmlns:a16="http://schemas.microsoft.com/office/drawing/2014/main" id="{06AFFE31-8172-31FD-F18A-31AAFA160766}"/>
+                <a16:creationId xmlns:a16="http://schemas.microsoft.com/office/drawing/2014/main" id="{89F95C0A-50FF-0BBB-6516-4DA5C15E2511}"/>
               </a:ext>
             </a:extLst>
           </p:cNvPr>
@@ -377,7 +377,7 @@
           <p:cNvPr id="3" name="竖排文字占位符 2">
             <a:extLst>
               <a:ext uri="{FF2B5EF4-FFF2-40B4-BE49-F238E27FC236}">
-                <a16:creationId xmlns:a16="http://schemas.microsoft.com/office/drawing/2014/main" id="{E6B57C95-D53F-B92E-9221-5A6C6321C31E}"/>
+                <a16:creationId xmlns:a16="http://schemas.microsoft.com/office/drawing/2014/main" id="{AF88D547-25B6-829F-B1AF-98A937E5ABFE}"/>
               </a:ext>
             </a:extLst>
           </p:cNvPr>
@@ -434,7 +434,7 @@
           <p:cNvPr id="4" name="日期占位符 3">
             <a:extLst>
               <a:ext uri="{FF2B5EF4-FFF2-40B4-BE49-F238E27FC236}">
-                <a16:creationId xmlns:a16="http://schemas.microsoft.com/office/drawing/2014/main" id="{C8A70D54-87D1-B479-1666-93E7939F86DE}"/>
+                <a16:creationId xmlns:a16="http://schemas.microsoft.com/office/drawing/2014/main" id="{C4FA2AE9-000E-FE53-883A-308558B7A394}"/>
               </a:ext>
             </a:extLst>
           </p:cNvPr>
@@ -450,7 +450,7 @@
           <a:bodyPr/>
           <a:lstStyle/>
           <a:p>
-            <a:fld id="{9941F5A7-C384-47C3-8A64-5978F03AD01B}" type="datetimeFigureOut">
+            <a:fld id="{1B9DE1A7-6632-455F-977B-C93980F664BF}" type="datetimeFigureOut">
               <a:rPr lang="zh-CN" altLang="en-US" smtClean="0"/>
               <a:t>2024/3/10</a:t>
             </a:fld>
@@ -463,7 +463,7 @@
           <p:cNvPr id="5" name="页脚占位符 4">
             <a:extLst>
               <a:ext uri="{FF2B5EF4-FFF2-40B4-BE49-F238E27FC236}">
-                <a16:creationId xmlns:a16="http://schemas.microsoft.com/office/drawing/2014/main" id="{0742AC9B-F817-79F4-D6D3-2C86DEA97208}"/>
+                <a16:creationId xmlns:a16="http://schemas.microsoft.com/office/drawing/2014/main" id="{A4C7919D-CD27-6682-63CA-5A177469CD69}"/>
               </a:ext>
             </a:extLst>
           </p:cNvPr>
@@ -488,7 +488,7 @@
           <p:cNvPr id="6" name="灯片编号占位符 5">
             <a:extLst>
               <a:ext uri="{FF2B5EF4-FFF2-40B4-BE49-F238E27FC236}">
-                <a16:creationId xmlns:a16="http://schemas.microsoft.com/office/drawing/2014/main" id="{F766B0E4-C208-124C-4178-527F4818BF96}"/>
+                <a16:creationId xmlns:a16="http://schemas.microsoft.com/office/drawing/2014/main" id="{B6613CE4-A4BB-BC3E-3C28-13563729E479}"/>
               </a:ext>
             </a:extLst>
           </p:cNvPr>
@@ -504,7 +504,7 @@
           <a:bodyPr/>
           <a:lstStyle/>
           <a:p>
-            <a:fld id="{610ADDF2-2AC3-4E86-A887-6271DA5357A9}" type="slidenum">
+            <a:fld id="{3D2D8952-FFD4-410C-8F95-173ADC300412}" type="slidenum">
               <a:rPr lang="zh-CN" altLang="en-US" smtClean="0"/>
               <a:t>‹#›</a:t>
             </a:fld>
@@ -515,7 +515,7 @@
     </p:spTree>
     <p:extLst>
       <p:ext uri="{BB962C8B-B14F-4D97-AF65-F5344CB8AC3E}">
-        <p14:creationId xmlns:p14="http://schemas.microsoft.com/office/powerpoint/2010/main" val="2789787280"/>
+        <p14:creationId xmlns:p14="http://schemas.microsoft.com/office/powerpoint/2010/main" val="1802997346"/>
       </p:ext>
     </p:extLst>
   </p:cSld>
@@ -547,7 +547,7 @@
           <p:cNvPr id="2" name="竖排标题 1">
             <a:extLst>
               <a:ext uri="{FF2B5EF4-FFF2-40B4-BE49-F238E27FC236}">
-                <a16:creationId xmlns:a16="http://schemas.microsoft.com/office/drawing/2014/main" id="{3539DC00-6D95-3CB6-EF28-62199F892122}"/>
+                <a16:creationId xmlns:a16="http://schemas.microsoft.com/office/drawing/2014/main" id="{05988E9B-C63C-97DD-6796-ECD10EF0AD51}"/>
               </a:ext>
             </a:extLst>
           </p:cNvPr>
@@ -580,7 +580,7 @@
           <p:cNvPr id="3" name="竖排文字占位符 2">
             <a:extLst>
               <a:ext uri="{FF2B5EF4-FFF2-40B4-BE49-F238E27FC236}">
-                <a16:creationId xmlns:a16="http://schemas.microsoft.com/office/drawing/2014/main" id="{2188DF2C-A0E9-8979-EA36-EEE51E846007}"/>
+                <a16:creationId xmlns:a16="http://schemas.microsoft.com/office/drawing/2014/main" id="{12F6FD16-E54D-CA99-F883-DFD9BE4B99E8}"/>
               </a:ext>
             </a:extLst>
           </p:cNvPr>
@@ -642,7 +642,7 @@
           <p:cNvPr id="4" name="日期占位符 3">
             <a:extLst>
               <a:ext uri="{FF2B5EF4-FFF2-40B4-BE49-F238E27FC236}">
-                <a16:creationId xmlns:a16="http://schemas.microsoft.com/office/drawing/2014/main" id="{924635FF-6BCD-7FD9-5283-CE495633D835}"/>
+                <a16:creationId xmlns:a16="http://schemas.microsoft.com/office/drawing/2014/main" id="{20F6A54A-B6D6-FD2B-C647-C792A0E5A30B}"/>
               </a:ext>
             </a:extLst>
           </p:cNvPr>
@@ -658,7 +658,7 @@
           <a:bodyPr/>
           <a:lstStyle/>
           <a:p>
-            <a:fld id="{9941F5A7-C384-47C3-8A64-5978F03AD01B}" type="datetimeFigureOut">
+            <a:fld id="{1B9DE1A7-6632-455F-977B-C93980F664BF}" type="datetimeFigureOut">
               <a:rPr lang="zh-CN" altLang="en-US" smtClean="0"/>
               <a:t>2024/3/10</a:t>
             </a:fld>
@@ -671,7 +671,7 @@
           <p:cNvPr id="5" name="页脚占位符 4">
             <a:extLst>
               <a:ext uri="{FF2B5EF4-FFF2-40B4-BE49-F238E27FC236}">
-                <a16:creationId xmlns:a16="http://schemas.microsoft.com/office/drawing/2014/main" id="{A5B18807-3D51-67CF-7954-68F9AB2989F0}"/>
+                <a16:creationId xmlns:a16="http://schemas.microsoft.com/office/drawing/2014/main" id="{0A72595C-2F4A-C149-19E5-146CAE6226A9}"/>
               </a:ext>
             </a:extLst>
           </p:cNvPr>
@@ -696,7 +696,7 @@
           <p:cNvPr id="6" name="灯片编号占位符 5">
             <a:extLst>
               <a:ext uri="{FF2B5EF4-FFF2-40B4-BE49-F238E27FC236}">
-                <a16:creationId xmlns:a16="http://schemas.microsoft.com/office/drawing/2014/main" id="{053C50F1-AF94-5D62-16CA-079FD5B0D232}"/>
+                <a16:creationId xmlns:a16="http://schemas.microsoft.com/office/drawing/2014/main" id="{F00D804F-A380-886E-4238-4E71EECE0DD5}"/>
               </a:ext>
             </a:extLst>
           </p:cNvPr>
@@ -712,7 +712,7 @@
           <a:bodyPr/>
           <a:lstStyle/>
           <a:p>
-            <a:fld id="{610ADDF2-2AC3-4E86-A887-6271DA5357A9}" type="slidenum">
+            <a:fld id="{3D2D8952-FFD4-410C-8F95-173ADC300412}" type="slidenum">
               <a:rPr lang="zh-CN" altLang="en-US" smtClean="0"/>
               <a:t>‹#›</a:t>
             </a:fld>
@@ -723,7 +723,7 @@
     </p:spTree>
     <p:extLst>
       <p:ext uri="{BB962C8B-B14F-4D97-AF65-F5344CB8AC3E}">
-        <p14:creationId xmlns:p14="http://schemas.microsoft.com/office/powerpoint/2010/main" val="1883394337"/>
+        <p14:creationId xmlns:p14="http://schemas.microsoft.com/office/powerpoint/2010/main" val="2714775328"/>
       </p:ext>
     </p:extLst>
   </p:cSld>
@@ -755,7 +755,7 @@
           <p:cNvPr id="2" name="标题 1">
             <a:extLst>
               <a:ext uri="{FF2B5EF4-FFF2-40B4-BE49-F238E27FC236}">
-                <a16:creationId xmlns:a16="http://schemas.microsoft.com/office/drawing/2014/main" id="{F0E1F323-F886-4A9F-1592-C2DA2E39A75B}"/>
+                <a16:creationId xmlns:a16="http://schemas.microsoft.com/office/drawing/2014/main" id="{6F5446E1-6800-A27D-BD94-11AF5F0A3BDF}"/>
               </a:ext>
             </a:extLst>
           </p:cNvPr>
@@ -783,7 +783,7 @@
           <p:cNvPr id="3" name="内容占位符 2">
             <a:extLst>
               <a:ext uri="{FF2B5EF4-FFF2-40B4-BE49-F238E27FC236}">
-                <a16:creationId xmlns:a16="http://schemas.microsoft.com/office/drawing/2014/main" id="{04B3633F-6A8F-15DE-4D6A-9DA02B5037D1}"/>
+                <a16:creationId xmlns:a16="http://schemas.microsoft.com/office/drawing/2014/main" id="{12646895-F421-88BF-4A91-85A43231CDED}"/>
               </a:ext>
             </a:extLst>
           </p:cNvPr>
@@ -840,7 +840,7 @@
           <p:cNvPr id="4" name="日期占位符 3">
             <a:extLst>
               <a:ext uri="{FF2B5EF4-FFF2-40B4-BE49-F238E27FC236}">
-                <a16:creationId xmlns:a16="http://schemas.microsoft.com/office/drawing/2014/main" id="{3BF82E54-6317-3D14-C3C9-3B9CE2BD4602}"/>
+                <a16:creationId xmlns:a16="http://schemas.microsoft.com/office/drawing/2014/main" id="{77F3A800-B762-0C0B-402D-625BCFA8DF0F}"/>
               </a:ext>
             </a:extLst>
           </p:cNvPr>
@@ -856,7 +856,7 @@
           <a:bodyPr/>
           <a:lstStyle/>
           <a:p>
-            <a:fld id="{9941F5A7-C384-47C3-8A64-5978F03AD01B}" type="datetimeFigureOut">
+            <a:fld id="{1B9DE1A7-6632-455F-977B-C93980F664BF}" type="datetimeFigureOut">
               <a:rPr lang="zh-CN" altLang="en-US" smtClean="0"/>
               <a:t>2024/3/10</a:t>
             </a:fld>
@@ -869,7 +869,7 @@
           <p:cNvPr id="5" name="页脚占位符 4">
             <a:extLst>
               <a:ext uri="{FF2B5EF4-FFF2-40B4-BE49-F238E27FC236}">
-                <a16:creationId xmlns:a16="http://schemas.microsoft.com/office/drawing/2014/main" id="{9903283B-7166-4A64-684F-666D741C4012}"/>
+                <a16:creationId xmlns:a16="http://schemas.microsoft.com/office/drawing/2014/main" id="{7A2C2C85-5D78-FD71-499D-8480810626B6}"/>
               </a:ext>
             </a:extLst>
           </p:cNvPr>
@@ -894,7 +894,7 @@
           <p:cNvPr id="6" name="灯片编号占位符 5">
             <a:extLst>
               <a:ext uri="{FF2B5EF4-FFF2-40B4-BE49-F238E27FC236}">
-                <a16:creationId xmlns:a16="http://schemas.microsoft.com/office/drawing/2014/main" id="{4361734B-987E-1DE1-88BD-C010CE5363F1}"/>
+                <a16:creationId xmlns:a16="http://schemas.microsoft.com/office/drawing/2014/main" id="{7EDB96D6-4DBE-B0B6-6A29-80B20B5E0D65}"/>
               </a:ext>
             </a:extLst>
           </p:cNvPr>
@@ -910,7 +910,7 @@
           <a:bodyPr/>
           <a:lstStyle/>
           <a:p>
-            <a:fld id="{610ADDF2-2AC3-4E86-A887-6271DA5357A9}" type="slidenum">
+            <a:fld id="{3D2D8952-FFD4-410C-8F95-173ADC300412}" type="slidenum">
               <a:rPr lang="zh-CN" altLang="en-US" smtClean="0"/>
               <a:t>‹#›</a:t>
             </a:fld>
@@ -921,7 +921,7 @@
     </p:spTree>
     <p:extLst>
       <p:ext uri="{BB962C8B-B14F-4D97-AF65-F5344CB8AC3E}">
-        <p14:creationId xmlns:p14="http://schemas.microsoft.com/office/powerpoint/2010/main" val="922156248"/>
+        <p14:creationId xmlns:p14="http://schemas.microsoft.com/office/powerpoint/2010/main" val="3215584452"/>
       </p:ext>
     </p:extLst>
   </p:cSld>
@@ -953,7 +953,7 @@
           <p:cNvPr id="2" name="标题 1">
             <a:extLst>
               <a:ext uri="{FF2B5EF4-FFF2-40B4-BE49-F238E27FC236}">
-                <a16:creationId xmlns:a16="http://schemas.microsoft.com/office/drawing/2014/main" id="{1E8947A6-379A-AF55-8E68-C933866986FD}"/>
+                <a16:creationId xmlns:a16="http://schemas.microsoft.com/office/drawing/2014/main" id="{512CCBAC-9519-39D9-A09B-42AD690E290D}"/>
               </a:ext>
             </a:extLst>
           </p:cNvPr>
@@ -990,7 +990,7 @@
           <p:cNvPr id="3" name="文本占位符 2">
             <a:extLst>
               <a:ext uri="{FF2B5EF4-FFF2-40B4-BE49-F238E27FC236}">
-                <a16:creationId xmlns:a16="http://schemas.microsoft.com/office/drawing/2014/main" id="{9A25A9D7-A9F8-3B15-3BBB-22709AE3E9E4}"/>
+                <a16:creationId xmlns:a16="http://schemas.microsoft.com/office/drawing/2014/main" id="{6A5295E2-593C-3CDC-048C-27F29B342DB9}"/>
               </a:ext>
             </a:extLst>
           </p:cNvPr>
@@ -1115,7 +1115,7 @@
           <p:cNvPr id="4" name="日期占位符 3">
             <a:extLst>
               <a:ext uri="{FF2B5EF4-FFF2-40B4-BE49-F238E27FC236}">
-                <a16:creationId xmlns:a16="http://schemas.microsoft.com/office/drawing/2014/main" id="{ED8A983B-16E6-E7F8-7ECB-6402A92A1FB9}"/>
+                <a16:creationId xmlns:a16="http://schemas.microsoft.com/office/drawing/2014/main" id="{E78C1077-FA94-4CAD-A419-5DAA129E60FC}"/>
               </a:ext>
             </a:extLst>
           </p:cNvPr>
@@ -1131,7 +1131,7 @@
           <a:bodyPr/>
           <a:lstStyle/>
           <a:p>
-            <a:fld id="{9941F5A7-C384-47C3-8A64-5978F03AD01B}" type="datetimeFigureOut">
+            <a:fld id="{1B9DE1A7-6632-455F-977B-C93980F664BF}" type="datetimeFigureOut">
               <a:rPr lang="zh-CN" altLang="en-US" smtClean="0"/>
               <a:t>2024/3/10</a:t>
             </a:fld>
@@ -1144,7 +1144,7 @@
           <p:cNvPr id="5" name="页脚占位符 4">
             <a:extLst>
               <a:ext uri="{FF2B5EF4-FFF2-40B4-BE49-F238E27FC236}">
-                <a16:creationId xmlns:a16="http://schemas.microsoft.com/office/drawing/2014/main" id="{4FED2787-188B-8FAF-C5E3-59256D14CFF8}"/>
+                <a16:creationId xmlns:a16="http://schemas.microsoft.com/office/drawing/2014/main" id="{114AFF36-9ED0-9BDD-CAC2-4D2FF623F951}"/>
               </a:ext>
             </a:extLst>
           </p:cNvPr>
@@ -1169,7 +1169,7 @@
           <p:cNvPr id="6" name="灯片编号占位符 5">
             <a:extLst>
               <a:ext uri="{FF2B5EF4-FFF2-40B4-BE49-F238E27FC236}">
-                <a16:creationId xmlns:a16="http://schemas.microsoft.com/office/drawing/2014/main" id="{F1BAB369-E01D-3771-56D5-01946D3548A6}"/>
+                <a16:creationId xmlns:a16="http://schemas.microsoft.com/office/drawing/2014/main" id="{E4A94D42-C7FF-3146-BF20-1A273742BE86}"/>
               </a:ext>
             </a:extLst>
           </p:cNvPr>
@@ -1185,7 +1185,7 @@
           <a:bodyPr/>
           <a:lstStyle/>
           <a:p>
-            <a:fld id="{610ADDF2-2AC3-4E86-A887-6271DA5357A9}" type="slidenum">
+            <a:fld id="{3D2D8952-FFD4-410C-8F95-173ADC300412}" type="slidenum">
               <a:rPr lang="zh-CN" altLang="en-US" smtClean="0"/>
               <a:t>‹#›</a:t>
             </a:fld>
@@ -1196,7 +1196,7 @@
     </p:spTree>
     <p:extLst>
       <p:ext uri="{BB962C8B-B14F-4D97-AF65-F5344CB8AC3E}">
-        <p14:creationId xmlns:p14="http://schemas.microsoft.com/office/powerpoint/2010/main" val="1718372069"/>
+        <p14:creationId xmlns:p14="http://schemas.microsoft.com/office/powerpoint/2010/main" val="2329633655"/>
       </p:ext>
     </p:extLst>
   </p:cSld>
@@ -1228,7 +1228,7 @@
           <p:cNvPr id="2" name="标题 1">
             <a:extLst>
               <a:ext uri="{FF2B5EF4-FFF2-40B4-BE49-F238E27FC236}">
-                <a16:creationId xmlns:a16="http://schemas.microsoft.com/office/drawing/2014/main" id="{8D106039-2DFD-EB4A-A408-DC56A410E6FA}"/>
+                <a16:creationId xmlns:a16="http://schemas.microsoft.com/office/drawing/2014/main" id="{09DD337A-4BE9-27D7-E8B5-A04BA5324285}"/>
               </a:ext>
             </a:extLst>
           </p:cNvPr>
@@ -1256,7 +1256,7 @@
           <p:cNvPr id="3" name="内容占位符 2">
             <a:extLst>
               <a:ext uri="{FF2B5EF4-FFF2-40B4-BE49-F238E27FC236}">
-                <a16:creationId xmlns:a16="http://schemas.microsoft.com/office/drawing/2014/main" id="{31010FD5-7864-AB46-BB5C-35478E352584}"/>
+                <a16:creationId xmlns:a16="http://schemas.microsoft.com/office/drawing/2014/main" id="{FFDEDE3C-6EEB-0688-09FC-AF40A4A96D91}"/>
               </a:ext>
             </a:extLst>
           </p:cNvPr>
@@ -1318,7 +1318,7 @@
           <p:cNvPr id="4" name="内容占位符 3">
             <a:extLst>
               <a:ext uri="{FF2B5EF4-FFF2-40B4-BE49-F238E27FC236}">
-                <a16:creationId xmlns:a16="http://schemas.microsoft.com/office/drawing/2014/main" id="{99060297-D67F-5F86-1C52-DC8AD9830187}"/>
+                <a16:creationId xmlns:a16="http://schemas.microsoft.com/office/drawing/2014/main" id="{CEDE0C13-AE9E-54C5-B80F-5D3BCD547E45}"/>
               </a:ext>
             </a:extLst>
           </p:cNvPr>
@@ -1380,7 +1380,7 @@
           <p:cNvPr id="5" name="日期占位符 4">
             <a:extLst>
               <a:ext uri="{FF2B5EF4-FFF2-40B4-BE49-F238E27FC236}">
-                <a16:creationId xmlns:a16="http://schemas.microsoft.com/office/drawing/2014/main" id="{386A4CE1-8E65-D698-389B-2E9DFE22D4C4}"/>
+                <a16:creationId xmlns:a16="http://schemas.microsoft.com/office/drawing/2014/main" id="{6E1A3700-D367-585B-100C-EB7C889A7A32}"/>
               </a:ext>
             </a:extLst>
           </p:cNvPr>
@@ -1396,7 +1396,7 @@
           <a:bodyPr/>
           <a:lstStyle/>
           <a:p>
-            <a:fld id="{9941F5A7-C384-47C3-8A64-5978F03AD01B}" type="datetimeFigureOut">
+            <a:fld id="{1B9DE1A7-6632-455F-977B-C93980F664BF}" type="datetimeFigureOut">
               <a:rPr lang="zh-CN" altLang="en-US" smtClean="0"/>
               <a:t>2024/3/10</a:t>
             </a:fld>
@@ -1409,7 +1409,7 @@
           <p:cNvPr id="6" name="页脚占位符 5">
             <a:extLst>
               <a:ext uri="{FF2B5EF4-FFF2-40B4-BE49-F238E27FC236}">
-                <a16:creationId xmlns:a16="http://schemas.microsoft.com/office/drawing/2014/main" id="{E6D3BC33-E3E7-04CF-4B4D-B7C70D385DD6}"/>
+                <a16:creationId xmlns:a16="http://schemas.microsoft.com/office/drawing/2014/main" id="{A98D22BD-7A74-D6D8-5C38-E943060A1C29}"/>
               </a:ext>
             </a:extLst>
           </p:cNvPr>
@@ -1434,7 +1434,7 @@
           <p:cNvPr id="7" name="灯片编号占位符 6">
             <a:extLst>
               <a:ext uri="{FF2B5EF4-FFF2-40B4-BE49-F238E27FC236}">
-                <a16:creationId xmlns:a16="http://schemas.microsoft.com/office/drawing/2014/main" id="{6A350BD3-CFE5-EDD3-C3B4-BCCDC5E1D6B6}"/>
+                <a16:creationId xmlns:a16="http://schemas.microsoft.com/office/drawing/2014/main" id="{B5F50A65-1569-2F80-A7D1-3F033E9C2DB9}"/>
               </a:ext>
             </a:extLst>
           </p:cNvPr>
@@ -1450,7 +1450,7 @@
           <a:bodyPr/>
           <a:lstStyle/>
           <a:p>
-            <a:fld id="{610ADDF2-2AC3-4E86-A887-6271DA5357A9}" type="slidenum">
+            <a:fld id="{3D2D8952-FFD4-410C-8F95-173ADC300412}" type="slidenum">
               <a:rPr lang="zh-CN" altLang="en-US" smtClean="0"/>
               <a:t>‹#›</a:t>
             </a:fld>
@@ -1461,7 +1461,7 @@
     </p:spTree>
     <p:extLst>
       <p:ext uri="{BB962C8B-B14F-4D97-AF65-F5344CB8AC3E}">
-        <p14:creationId xmlns:p14="http://schemas.microsoft.com/office/powerpoint/2010/main" val="915952432"/>
+        <p14:creationId xmlns:p14="http://schemas.microsoft.com/office/powerpoint/2010/main" val="3629706854"/>
       </p:ext>
     </p:extLst>
   </p:cSld>
@@ -1493,7 +1493,7 @@
           <p:cNvPr id="2" name="标题 1">
             <a:extLst>
               <a:ext uri="{FF2B5EF4-FFF2-40B4-BE49-F238E27FC236}">
-                <a16:creationId xmlns:a16="http://schemas.microsoft.com/office/drawing/2014/main" id="{69271CDB-9641-81A3-97CA-64633360F62C}"/>
+                <a16:creationId xmlns:a16="http://schemas.microsoft.com/office/drawing/2014/main" id="{C2903700-D35B-EEFC-FEC9-6004FBD21905}"/>
               </a:ext>
             </a:extLst>
           </p:cNvPr>
@@ -1526,7 +1526,7 @@
           <p:cNvPr id="3" name="文本占位符 2">
             <a:extLst>
               <a:ext uri="{FF2B5EF4-FFF2-40B4-BE49-F238E27FC236}">
-                <a16:creationId xmlns:a16="http://schemas.microsoft.com/office/drawing/2014/main" id="{804DDCF3-0BA6-9917-9720-3F4F7E826398}"/>
+                <a16:creationId xmlns:a16="http://schemas.microsoft.com/office/drawing/2014/main" id="{CFCE74EA-5093-2433-2B30-A56092AB0902}"/>
               </a:ext>
             </a:extLst>
           </p:cNvPr>
@@ -1597,7 +1597,7 @@
           <p:cNvPr id="4" name="内容占位符 3">
             <a:extLst>
               <a:ext uri="{FF2B5EF4-FFF2-40B4-BE49-F238E27FC236}">
-                <a16:creationId xmlns:a16="http://schemas.microsoft.com/office/drawing/2014/main" id="{C1AC07D0-B6D0-E347-306C-A725B0877155}"/>
+                <a16:creationId xmlns:a16="http://schemas.microsoft.com/office/drawing/2014/main" id="{EC880F50-F1F2-134F-8E86-BE029616A014}"/>
               </a:ext>
             </a:extLst>
           </p:cNvPr>
@@ -1659,7 +1659,7 @@
           <p:cNvPr id="5" name="文本占位符 4">
             <a:extLst>
               <a:ext uri="{FF2B5EF4-FFF2-40B4-BE49-F238E27FC236}">
-                <a16:creationId xmlns:a16="http://schemas.microsoft.com/office/drawing/2014/main" id="{9122F10E-E119-6544-132F-40DEFFC3F42C}"/>
+                <a16:creationId xmlns:a16="http://schemas.microsoft.com/office/drawing/2014/main" id="{BB8101D7-5293-1B7A-9C7C-080D3C9E2994}"/>
               </a:ext>
             </a:extLst>
           </p:cNvPr>
@@ -1730,7 +1730,7 @@
           <p:cNvPr id="6" name="内容占位符 5">
             <a:extLst>
               <a:ext uri="{FF2B5EF4-FFF2-40B4-BE49-F238E27FC236}">
-                <a16:creationId xmlns:a16="http://schemas.microsoft.com/office/drawing/2014/main" id="{C5372FEA-B548-B802-5069-4B115DA93B76}"/>
+                <a16:creationId xmlns:a16="http://schemas.microsoft.com/office/drawing/2014/main" id="{15C8BBC9-669C-4588-1A78-88FE1BE32CF0}"/>
               </a:ext>
             </a:extLst>
           </p:cNvPr>
@@ -1792,7 +1792,7 @@
           <p:cNvPr id="7" name="日期占位符 6">
             <a:extLst>
               <a:ext uri="{FF2B5EF4-FFF2-40B4-BE49-F238E27FC236}">
-                <a16:creationId xmlns:a16="http://schemas.microsoft.com/office/drawing/2014/main" id="{4A5DCE64-F863-B073-7BC3-485093F246FC}"/>
+                <a16:creationId xmlns:a16="http://schemas.microsoft.com/office/drawing/2014/main" id="{A526A2B0-ABAF-AC51-752F-30DD681B9DC1}"/>
               </a:ext>
             </a:extLst>
           </p:cNvPr>
@@ -1808,7 +1808,7 @@
           <a:bodyPr/>
           <a:lstStyle/>
           <a:p>
-            <a:fld id="{9941F5A7-C384-47C3-8A64-5978F03AD01B}" type="datetimeFigureOut">
+            <a:fld id="{1B9DE1A7-6632-455F-977B-C93980F664BF}" type="datetimeFigureOut">
               <a:rPr lang="zh-CN" altLang="en-US" smtClean="0"/>
               <a:t>2024/3/10</a:t>
             </a:fld>
@@ -1821,7 +1821,7 @@
           <p:cNvPr id="8" name="页脚占位符 7">
             <a:extLst>
               <a:ext uri="{FF2B5EF4-FFF2-40B4-BE49-F238E27FC236}">
-                <a16:creationId xmlns:a16="http://schemas.microsoft.com/office/drawing/2014/main" id="{E5376C9A-30AD-3148-2BC5-A1504FABE175}"/>
+                <a16:creationId xmlns:a16="http://schemas.microsoft.com/office/drawing/2014/main" id="{918E50C0-FAEE-7A19-924E-B6749E4344F9}"/>
               </a:ext>
             </a:extLst>
           </p:cNvPr>
@@ -1846,7 +1846,7 @@
           <p:cNvPr id="9" name="灯片编号占位符 8">
             <a:extLst>
               <a:ext uri="{FF2B5EF4-FFF2-40B4-BE49-F238E27FC236}">
-                <a16:creationId xmlns:a16="http://schemas.microsoft.com/office/drawing/2014/main" id="{6B2E4EA4-865E-A102-5A10-80C2C5CB484B}"/>
+                <a16:creationId xmlns:a16="http://schemas.microsoft.com/office/drawing/2014/main" id="{60F82C80-069C-4F2D-C146-0BAE86D99A2D}"/>
               </a:ext>
             </a:extLst>
           </p:cNvPr>
@@ -1862,7 +1862,7 @@
           <a:bodyPr/>
           <a:lstStyle/>
           <a:p>
-            <a:fld id="{610ADDF2-2AC3-4E86-A887-6271DA5357A9}" type="slidenum">
+            <a:fld id="{3D2D8952-FFD4-410C-8F95-173ADC300412}" type="slidenum">
               <a:rPr lang="zh-CN" altLang="en-US" smtClean="0"/>
               <a:t>‹#›</a:t>
             </a:fld>
@@ -1873,7 +1873,7 @@
     </p:spTree>
     <p:extLst>
       <p:ext uri="{BB962C8B-B14F-4D97-AF65-F5344CB8AC3E}">
-        <p14:creationId xmlns:p14="http://schemas.microsoft.com/office/powerpoint/2010/main" val="2033073281"/>
+        <p14:creationId xmlns:p14="http://schemas.microsoft.com/office/powerpoint/2010/main" val="3607193776"/>
       </p:ext>
     </p:extLst>
   </p:cSld>
@@ -1905,7 +1905,7 @@
           <p:cNvPr id="2" name="标题 1">
             <a:extLst>
               <a:ext uri="{FF2B5EF4-FFF2-40B4-BE49-F238E27FC236}">
-                <a16:creationId xmlns:a16="http://schemas.microsoft.com/office/drawing/2014/main" id="{00754A27-206C-E4D6-D4E2-75718CF6828A}"/>
+                <a16:creationId xmlns:a16="http://schemas.microsoft.com/office/drawing/2014/main" id="{632E17CC-82B5-9383-FEAA-C98C50E86AEA}"/>
               </a:ext>
             </a:extLst>
           </p:cNvPr>
@@ -1933,7 +1933,7 @@
           <p:cNvPr id="3" name="日期占位符 2">
             <a:extLst>
               <a:ext uri="{FF2B5EF4-FFF2-40B4-BE49-F238E27FC236}">
-                <a16:creationId xmlns:a16="http://schemas.microsoft.com/office/drawing/2014/main" id="{34DD8F70-B126-63F5-A4CA-7AEC5F6D0217}"/>
+                <a16:creationId xmlns:a16="http://schemas.microsoft.com/office/drawing/2014/main" id="{559FCF78-69F5-F961-C353-AAFB2591FEB7}"/>
               </a:ext>
             </a:extLst>
           </p:cNvPr>
@@ -1949,7 +1949,7 @@
           <a:bodyPr/>
           <a:lstStyle/>
           <a:p>
-            <a:fld id="{9941F5A7-C384-47C3-8A64-5978F03AD01B}" type="datetimeFigureOut">
+            <a:fld id="{1B9DE1A7-6632-455F-977B-C93980F664BF}" type="datetimeFigureOut">
               <a:rPr lang="zh-CN" altLang="en-US" smtClean="0"/>
               <a:t>2024/3/10</a:t>
             </a:fld>
@@ -1962,7 +1962,7 @@
           <p:cNvPr id="4" name="页脚占位符 3">
             <a:extLst>
               <a:ext uri="{FF2B5EF4-FFF2-40B4-BE49-F238E27FC236}">
-                <a16:creationId xmlns:a16="http://schemas.microsoft.com/office/drawing/2014/main" id="{BF054ABC-4675-EF9E-12FE-D15AC17737A7}"/>
+                <a16:creationId xmlns:a16="http://schemas.microsoft.com/office/drawing/2014/main" id="{EBE71D04-8A60-B811-9C14-1BE83C92E026}"/>
               </a:ext>
             </a:extLst>
           </p:cNvPr>
@@ -1987,7 +1987,7 @@
           <p:cNvPr id="5" name="灯片编号占位符 4">
             <a:extLst>
               <a:ext uri="{FF2B5EF4-FFF2-40B4-BE49-F238E27FC236}">
-                <a16:creationId xmlns:a16="http://schemas.microsoft.com/office/drawing/2014/main" id="{15CE4805-0DBD-87ED-9AC6-1B0E72540CE8}"/>
+                <a16:creationId xmlns:a16="http://schemas.microsoft.com/office/drawing/2014/main" id="{0C43EFC7-E3B5-36C9-9E04-1138DACE05F4}"/>
               </a:ext>
             </a:extLst>
           </p:cNvPr>
@@ -2003,7 +2003,7 @@
           <a:bodyPr/>
           <a:lstStyle/>
           <a:p>
-            <a:fld id="{610ADDF2-2AC3-4E86-A887-6271DA5357A9}" type="slidenum">
+            <a:fld id="{3D2D8952-FFD4-410C-8F95-173ADC300412}" type="slidenum">
               <a:rPr lang="zh-CN" altLang="en-US" smtClean="0"/>
               <a:t>‹#›</a:t>
             </a:fld>
@@ -2014,7 +2014,7 @@
     </p:spTree>
     <p:extLst>
       <p:ext uri="{BB962C8B-B14F-4D97-AF65-F5344CB8AC3E}">
-        <p14:creationId xmlns:p14="http://schemas.microsoft.com/office/powerpoint/2010/main" val="677052282"/>
+        <p14:creationId xmlns:p14="http://schemas.microsoft.com/office/powerpoint/2010/main" val="1357778773"/>
       </p:ext>
     </p:extLst>
   </p:cSld>
@@ -2046,7 +2046,7 @@
           <p:cNvPr id="2" name="日期占位符 1">
             <a:extLst>
               <a:ext uri="{FF2B5EF4-FFF2-40B4-BE49-F238E27FC236}">
-                <a16:creationId xmlns:a16="http://schemas.microsoft.com/office/drawing/2014/main" id="{5F6D786A-0F49-6F6D-18B3-A47ED36F8E71}"/>
+                <a16:creationId xmlns:a16="http://schemas.microsoft.com/office/drawing/2014/main" id="{8F11628D-C0E0-FE22-1EA4-2F652E49AE14}"/>
               </a:ext>
             </a:extLst>
           </p:cNvPr>
@@ -2062,7 +2062,7 @@
           <a:bodyPr/>
           <a:lstStyle/>
           <a:p>
-            <a:fld id="{9941F5A7-C384-47C3-8A64-5978F03AD01B}" type="datetimeFigureOut">
+            <a:fld id="{1B9DE1A7-6632-455F-977B-C93980F664BF}" type="datetimeFigureOut">
               <a:rPr lang="zh-CN" altLang="en-US" smtClean="0"/>
               <a:t>2024/3/10</a:t>
             </a:fld>
@@ -2075,7 +2075,7 @@
           <p:cNvPr id="3" name="页脚占位符 2">
             <a:extLst>
               <a:ext uri="{FF2B5EF4-FFF2-40B4-BE49-F238E27FC236}">
-                <a16:creationId xmlns:a16="http://schemas.microsoft.com/office/drawing/2014/main" id="{D2C7D658-9027-DFC7-18C7-71BB9A2424D2}"/>
+                <a16:creationId xmlns:a16="http://schemas.microsoft.com/office/drawing/2014/main" id="{B1542916-73F3-5395-89F7-A2A1A676B2A4}"/>
               </a:ext>
             </a:extLst>
           </p:cNvPr>
@@ -2100,7 +2100,7 @@
           <p:cNvPr id="4" name="灯片编号占位符 3">
             <a:extLst>
               <a:ext uri="{FF2B5EF4-FFF2-40B4-BE49-F238E27FC236}">
-                <a16:creationId xmlns:a16="http://schemas.microsoft.com/office/drawing/2014/main" id="{D9FBC26F-5897-F7DC-51B1-6DA63311CF6D}"/>
+                <a16:creationId xmlns:a16="http://schemas.microsoft.com/office/drawing/2014/main" id="{5C64C361-9971-6BAF-B61D-97E6E52B944C}"/>
               </a:ext>
             </a:extLst>
           </p:cNvPr>
@@ -2116,7 +2116,7 @@
           <a:bodyPr/>
           <a:lstStyle/>
           <a:p>
-            <a:fld id="{610ADDF2-2AC3-4E86-A887-6271DA5357A9}" type="slidenum">
+            <a:fld id="{3D2D8952-FFD4-410C-8F95-173ADC300412}" type="slidenum">
               <a:rPr lang="zh-CN" altLang="en-US" smtClean="0"/>
               <a:t>‹#›</a:t>
             </a:fld>
@@ -2127,7 +2127,7 @@
     </p:spTree>
     <p:extLst>
       <p:ext uri="{BB962C8B-B14F-4D97-AF65-F5344CB8AC3E}">
-        <p14:creationId xmlns:p14="http://schemas.microsoft.com/office/powerpoint/2010/main" val="2696174456"/>
+        <p14:creationId xmlns:p14="http://schemas.microsoft.com/office/powerpoint/2010/main" val="678531171"/>
       </p:ext>
     </p:extLst>
   </p:cSld>
@@ -2159,7 +2159,7 @@
           <p:cNvPr id="2" name="标题 1">
             <a:extLst>
               <a:ext uri="{FF2B5EF4-FFF2-40B4-BE49-F238E27FC236}">
-                <a16:creationId xmlns:a16="http://schemas.microsoft.com/office/drawing/2014/main" id="{BA42B5FC-3ABF-879B-9022-B093D3A587C1}"/>
+                <a16:creationId xmlns:a16="http://schemas.microsoft.com/office/drawing/2014/main" id="{35F10779-C14A-6FBD-BD8B-472969A74E68}"/>
               </a:ext>
             </a:extLst>
           </p:cNvPr>
@@ -2196,7 +2196,7 @@
           <p:cNvPr id="3" name="内容占位符 2">
             <a:extLst>
               <a:ext uri="{FF2B5EF4-FFF2-40B4-BE49-F238E27FC236}">
-                <a16:creationId xmlns:a16="http://schemas.microsoft.com/office/drawing/2014/main" id="{8640BB39-2E34-9125-3B0B-90D87BF905BC}"/>
+                <a16:creationId xmlns:a16="http://schemas.microsoft.com/office/drawing/2014/main" id="{8911EC6E-E138-9B16-2DB9-3FF3FA61859C}"/>
               </a:ext>
             </a:extLst>
           </p:cNvPr>
@@ -2286,7 +2286,7 @@
           <p:cNvPr id="4" name="文本占位符 3">
             <a:extLst>
               <a:ext uri="{FF2B5EF4-FFF2-40B4-BE49-F238E27FC236}">
-                <a16:creationId xmlns:a16="http://schemas.microsoft.com/office/drawing/2014/main" id="{4D7B460D-E36C-F3FC-59E1-E673453DFDAF}"/>
+                <a16:creationId xmlns:a16="http://schemas.microsoft.com/office/drawing/2014/main" id="{AD9C0D3D-D16E-3232-5114-8ECA3381FB8B}"/>
               </a:ext>
             </a:extLst>
           </p:cNvPr>
@@ -2357,7 +2357,7 @@
           <p:cNvPr id="5" name="日期占位符 4">
             <a:extLst>
               <a:ext uri="{FF2B5EF4-FFF2-40B4-BE49-F238E27FC236}">
-                <a16:creationId xmlns:a16="http://schemas.microsoft.com/office/drawing/2014/main" id="{29756B6E-0D02-41E8-D9E8-50BDF59AF615}"/>
+                <a16:creationId xmlns:a16="http://schemas.microsoft.com/office/drawing/2014/main" id="{BB309017-E600-EBD8-285E-5C23B57624BF}"/>
               </a:ext>
             </a:extLst>
           </p:cNvPr>
@@ -2373,7 +2373,7 @@
           <a:bodyPr/>
           <a:lstStyle/>
           <a:p>
-            <a:fld id="{9941F5A7-C384-47C3-8A64-5978F03AD01B}" type="datetimeFigureOut">
+            <a:fld id="{1B9DE1A7-6632-455F-977B-C93980F664BF}" type="datetimeFigureOut">
               <a:rPr lang="zh-CN" altLang="en-US" smtClean="0"/>
               <a:t>2024/3/10</a:t>
             </a:fld>
@@ -2386,7 +2386,7 @@
           <p:cNvPr id="6" name="页脚占位符 5">
             <a:extLst>
               <a:ext uri="{FF2B5EF4-FFF2-40B4-BE49-F238E27FC236}">
-                <a16:creationId xmlns:a16="http://schemas.microsoft.com/office/drawing/2014/main" id="{3605F28A-7EF6-A883-08E1-763C04F6B928}"/>
+                <a16:creationId xmlns:a16="http://schemas.microsoft.com/office/drawing/2014/main" id="{FC6ED1FB-BC41-137C-8511-5053B4090EFC}"/>
               </a:ext>
             </a:extLst>
           </p:cNvPr>
@@ -2411,7 +2411,7 @@
           <p:cNvPr id="7" name="灯片编号占位符 6">
             <a:extLst>
               <a:ext uri="{FF2B5EF4-FFF2-40B4-BE49-F238E27FC236}">
-                <a16:creationId xmlns:a16="http://schemas.microsoft.com/office/drawing/2014/main" id="{A0B3EC19-19C2-ED5C-094C-5E5B4D219EEB}"/>
+                <a16:creationId xmlns:a16="http://schemas.microsoft.com/office/drawing/2014/main" id="{A8D3C8D6-C996-BB52-09D7-2DDEDDE01289}"/>
               </a:ext>
             </a:extLst>
           </p:cNvPr>
@@ -2427,7 +2427,7 @@
           <a:bodyPr/>
           <a:lstStyle/>
           <a:p>
-            <a:fld id="{610ADDF2-2AC3-4E86-A887-6271DA5357A9}" type="slidenum">
+            <a:fld id="{3D2D8952-FFD4-410C-8F95-173ADC300412}" type="slidenum">
               <a:rPr lang="zh-CN" altLang="en-US" smtClean="0"/>
               <a:t>‹#›</a:t>
             </a:fld>
@@ -2438,7 +2438,7 @@
     </p:spTree>
     <p:extLst>
       <p:ext uri="{BB962C8B-B14F-4D97-AF65-F5344CB8AC3E}">
-        <p14:creationId xmlns:p14="http://schemas.microsoft.com/office/powerpoint/2010/main" val="3714544180"/>
+        <p14:creationId xmlns:p14="http://schemas.microsoft.com/office/powerpoint/2010/main" val="2182421895"/>
       </p:ext>
     </p:extLst>
   </p:cSld>
@@ -2470,7 +2470,7 @@
           <p:cNvPr id="2" name="标题 1">
             <a:extLst>
               <a:ext uri="{FF2B5EF4-FFF2-40B4-BE49-F238E27FC236}">
-                <a16:creationId xmlns:a16="http://schemas.microsoft.com/office/drawing/2014/main" id="{6243B757-493E-19B3-EFAF-449B97176DE1}"/>
+                <a16:creationId xmlns:a16="http://schemas.microsoft.com/office/drawing/2014/main" id="{7126B6C0-E101-725C-A3F8-DC26E407BD2A}"/>
               </a:ext>
             </a:extLst>
           </p:cNvPr>
@@ -2507,7 +2507,7 @@
           <p:cNvPr id="3" name="图片占位符 2">
             <a:extLst>
               <a:ext uri="{FF2B5EF4-FFF2-40B4-BE49-F238E27FC236}">
-                <a16:creationId xmlns:a16="http://schemas.microsoft.com/office/drawing/2014/main" id="{CAB27600-AE8B-CC3D-2630-05511E4FCAA9}"/>
+                <a16:creationId xmlns:a16="http://schemas.microsoft.com/office/drawing/2014/main" id="{7341A3B9-4E74-7BF9-9022-895115E394DE}"/>
               </a:ext>
             </a:extLst>
           </p:cNvPr>
@@ -2574,7 +2574,7 @@
           <p:cNvPr id="4" name="文本占位符 3">
             <a:extLst>
               <a:ext uri="{FF2B5EF4-FFF2-40B4-BE49-F238E27FC236}">
-                <a16:creationId xmlns:a16="http://schemas.microsoft.com/office/drawing/2014/main" id="{F1545129-71F6-D346-AB46-D51A3E99A0BD}"/>
+                <a16:creationId xmlns:a16="http://schemas.microsoft.com/office/drawing/2014/main" id="{425FC00D-3617-A82E-5ED3-3BDCE57AB1B5}"/>
               </a:ext>
             </a:extLst>
           </p:cNvPr>
@@ -2645,7 +2645,7 @@
           <p:cNvPr id="5" name="日期占位符 4">
             <a:extLst>
               <a:ext uri="{FF2B5EF4-FFF2-40B4-BE49-F238E27FC236}">
-                <a16:creationId xmlns:a16="http://schemas.microsoft.com/office/drawing/2014/main" id="{EF563054-D6E1-B9E0-248D-36ADA3CE045F}"/>
+                <a16:creationId xmlns:a16="http://schemas.microsoft.com/office/drawing/2014/main" id="{C621EF1B-A3CB-A31E-3BFA-F7B3DCA52BA5}"/>
               </a:ext>
             </a:extLst>
           </p:cNvPr>
@@ -2661,7 +2661,7 @@
           <a:bodyPr/>
           <a:lstStyle/>
           <a:p>
-            <a:fld id="{9941F5A7-C384-47C3-8A64-5978F03AD01B}" type="datetimeFigureOut">
+            <a:fld id="{1B9DE1A7-6632-455F-977B-C93980F664BF}" type="datetimeFigureOut">
               <a:rPr lang="zh-CN" altLang="en-US" smtClean="0"/>
               <a:t>2024/3/10</a:t>
             </a:fld>
@@ -2674,7 +2674,7 @@
           <p:cNvPr id="6" name="页脚占位符 5">
             <a:extLst>
               <a:ext uri="{FF2B5EF4-FFF2-40B4-BE49-F238E27FC236}">
-                <a16:creationId xmlns:a16="http://schemas.microsoft.com/office/drawing/2014/main" id="{FC8BA367-FF21-BB8F-82E3-2310C15FE4E6}"/>
+                <a16:creationId xmlns:a16="http://schemas.microsoft.com/office/drawing/2014/main" id="{66F045F0-F13C-DE99-2C7F-23DB0E9857B5}"/>
               </a:ext>
             </a:extLst>
           </p:cNvPr>
@@ -2699,7 +2699,7 @@
           <p:cNvPr id="7" name="灯片编号占位符 6">
             <a:extLst>
               <a:ext uri="{FF2B5EF4-FFF2-40B4-BE49-F238E27FC236}">
-                <a16:creationId xmlns:a16="http://schemas.microsoft.com/office/drawing/2014/main" id="{D0AE0D1A-8307-319B-D790-85AFF33877EA}"/>
+                <a16:creationId xmlns:a16="http://schemas.microsoft.com/office/drawing/2014/main" id="{5E0AA9F8-3ECE-EFCF-3CAF-20F0F5DA1DBC}"/>
               </a:ext>
             </a:extLst>
           </p:cNvPr>
@@ -2715,7 +2715,7 @@
           <a:bodyPr/>
           <a:lstStyle/>
           <a:p>
-            <a:fld id="{610ADDF2-2AC3-4E86-A887-6271DA5357A9}" type="slidenum">
+            <a:fld id="{3D2D8952-FFD4-410C-8F95-173ADC300412}" type="slidenum">
               <a:rPr lang="zh-CN" altLang="en-US" smtClean="0"/>
               <a:t>‹#›</a:t>
             </a:fld>
@@ -2726,7 +2726,7 @@
     </p:spTree>
     <p:extLst>
       <p:ext uri="{BB962C8B-B14F-4D97-AF65-F5344CB8AC3E}">
-        <p14:creationId xmlns:p14="http://schemas.microsoft.com/office/powerpoint/2010/main" val="3059266820"/>
+        <p14:creationId xmlns:p14="http://schemas.microsoft.com/office/powerpoint/2010/main" val="400310543"/>
       </p:ext>
     </p:extLst>
   </p:cSld>
@@ -2763,7 +2763,7 @@
           <p:cNvPr id="2" name="标题占位符 1">
             <a:extLst>
               <a:ext uri="{FF2B5EF4-FFF2-40B4-BE49-F238E27FC236}">
-                <a16:creationId xmlns:a16="http://schemas.microsoft.com/office/drawing/2014/main" id="{0F057D61-2722-18E4-622B-B6C0B54C7379}"/>
+                <a16:creationId xmlns:a16="http://schemas.microsoft.com/office/drawing/2014/main" id="{E9B4E545-DC11-96B3-FC07-FEF4D05169B1}"/>
               </a:ext>
             </a:extLst>
           </p:cNvPr>
@@ -2801,7 +2801,7 @@
           <p:cNvPr id="3" name="文本占位符 2">
             <a:extLst>
               <a:ext uri="{FF2B5EF4-FFF2-40B4-BE49-F238E27FC236}">
-                <a16:creationId xmlns:a16="http://schemas.microsoft.com/office/drawing/2014/main" id="{0EFA58E5-F0C8-164F-E557-B8AECD2F8534}"/>
+                <a16:creationId xmlns:a16="http://schemas.microsoft.com/office/drawing/2014/main" id="{0F9101EA-C88D-C305-0643-D537F1415DE0}"/>
               </a:ext>
             </a:extLst>
           </p:cNvPr>
@@ -2868,7 +2868,7 @@
           <p:cNvPr id="4" name="日期占位符 3">
             <a:extLst>
               <a:ext uri="{FF2B5EF4-FFF2-40B4-BE49-F238E27FC236}">
-                <a16:creationId xmlns:a16="http://schemas.microsoft.com/office/drawing/2014/main" id="{A2303BB5-E1A7-126B-8750-C032CDD314C9}"/>
+                <a16:creationId xmlns:a16="http://schemas.microsoft.com/office/drawing/2014/main" id="{BDF51EA9-FFF8-E48F-C662-1A69E8DEF137}"/>
               </a:ext>
             </a:extLst>
           </p:cNvPr>
@@ -2902,7 +2902,7 @@
             </a:lvl1pPr>
           </a:lstStyle>
           <a:p>
-            <a:fld id="{9941F5A7-C384-47C3-8A64-5978F03AD01B}" type="datetimeFigureOut">
+            <a:fld id="{1B9DE1A7-6632-455F-977B-C93980F664BF}" type="datetimeFigureOut">
               <a:rPr lang="zh-CN" altLang="en-US" smtClean="0"/>
               <a:t>2024/3/10</a:t>
             </a:fld>
@@ -2915,7 +2915,7 @@
           <p:cNvPr id="5" name="页脚占位符 4">
             <a:extLst>
               <a:ext uri="{FF2B5EF4-FFF2-40B4-BE49-F238E27FC236}">
-                <a16:creationId xmlns:a16="http://schemas.microsoft.com/office/drawing/2014/main" id="{8B581FE4-72B1-7759-F833-1E9D2EE1D88C}"/>
+                <a16:creationId xmlns:a16="http://schemas.microsoft.com/office/drawing/2014/main" id="{6B86D3C1-D7EF-B7EC-37CF-A2793392A175}"/>
               </a:ext>
             </a:extLst>
           </p:cNvPr>
@@ -2958,7 +2958,7 @@
           <p:cNvPr id="6" name="灯片编号占位符 5">
             <a:extLst>
               <a:ext uri="{FF2B5EF4-FFF2-40B4-BE49-F238E27FC236}">
-                <a16:creationId xmlns:a16="http://schemas.microsoft.com/office/drawing/2014/main" id="{751DD620-83DC-83E1-21E7-CCE7CCFB7C8A}"/>
+                <a16:creationId xmlns:a16="http://schemas.microsoft.com/office/drawing/2014/main" id="{29814606-A9DF-2C8F-894E-B24252CF8660}"/>
               </a:ext>
             </a:extLst>
           </p:cNvPr>
@@ -2992,7 +2992,7 @@
             </a:lvl1pPr>
           </a:lstStyle>
           <a:p>
-            <a:fld id="{610ADDF2-2AC3-4E86-A887-6271DA5357A9}" type="slidenum">
+            <a:fld id="{3D2D8952-FFD4-410C-8F95-173ADC300412}" type="slidenum">
               <a:rPr lang="zh-CN" altLang="en-US" smtClean="0"/>
               <a:t>‹#›</a:t>
             </a:fld>
@@ -3003,7 +3003,7 @@
     </p:spTree>
     <p:extLst>
       <p:ext uri="{BB962C8B-B14F-4D97-AF65-F5344CB8AC3E}">
-        <p14:creationId xmlns:p14="http://schemas.microsoft.com/office/powerpoint/2010/main" val="1043650726"/>
+        <p14:creationId xmlns:p14="http://schemas.microsoft.com/office/powerpoint/2010/main" val="2035219331"/>
       </p:ext>
     </p:extLst>
   </p:cSld>
